--- a/slides/python_workshop.pptx
+++ b/slides/python_workshop.pptx
@@ -5,18 +5,19 @@
     <p:sldMasterId id="2147483648" r:id="rId1"/>
   </p:sldMasterIdLst>
   <p:notesMasterIdLst>
-    <p:notesMasterId r:id="rId11"/>
+    <p:notesMasterId r:id="rId12"/>
   </p:notesMasterIdLst>
   <p:sldIdLst>
     <p:sldId id="256" r:id="rId2"/>
     <p:sldId id="263" r:id="rId3"/>
     <p:sldId id="264" r:id="rId4"/>
     <p:sldId id="257" r:id="rId5"/>
-    <p:sldId id="258" r:id="rId6"/>
-    <p:sldId id="259" r:id="rId7"/>
-    <p:sldId id="260" r:id="rId8"/>
-    <p:sldId id="261" r:id="rId9"/>
-    <p:sldId id="262" r:id="rId10"/>
+    <p:sldId id="265" r:id="rId6"/>
+    <p:sldId id="258" r:id="rId7"/>
+    <p:sldId id="259" r:id="rId8"/>
+    <p:sldId id="260" r:id="rId9"/>
+    <p:sldId id="261" r:id="rId10"/>
+    <p:sldId id="262" r:id="rId11"/>
   </p:sldIdLst>
   <p:sldSz cx="9144000" cy="6858000" type="screen4x3"/>
   <p:notesSz cx="6858000" cy="9144000"/>
@@ -216,7 +217,7 @@
           <a:p>
             <a:fld id="{6754378A-8E91-4CD2-9842-FD67C8AC0F83}" type="datetimeFigureOut">
               <a:rPr lang="en-SG" smtClean="0"/>
-              <a:t>8/12/2025</a:t>
+              <a:t>10/12/2025</a:t>
             </a:fld>
             <a:endParaRPr lang="en-SG"/>
           </a:p>
@@ -639,7 +640,27 @@
           <a:bodyPr/>
           <a:lstStyle/>
           <a:p>
-            <a:endParaRPr lang="en-SG" dirty="0"/>
+            <a:pPr marL="0" marR="0" lvl="0" indent="0" algn="l" defTabSz="914400" rtl="0" eaLnBrk="1" fontAlgn="auto" latinLnBrk="0" hangingPunct="1">
+              <a:lnSpc>
+                <a:spcPct val="100000"/>
+              </a:lnSpc>
+              <a:spcBef>
+                <a:spcPts val="0"/>
+              </a:spcBef>
+              <a:spcAft>
+                <a:spcPts val="0"/>
+              </a:spcAft>
+              <a:buClrTx/>
+              <a:buSzTx/>
+              <a:buFontTx/>
+              <a:buNone/>
+              <a:tabLst/>
+              <a:defRPr/>
+            </a:pPr>
+            <a:endParaRPr lang="en-SG" b="0" i="0" dirty="0">
+              <a:effectLst/>
+              <a:latin typeface="Segoe UI" panose="020B0502040204020203" pitchFamily="34" charset="0"/>
+            </a:endParaRPr>
           </a:p>
         </p:txBody>
       </p:sp>
@@ -669,7 +690,7 @@
     </p:spTree>
     <p:extLst>
       <p:ext uri="{BB962C8B-B14F-4D97-AF65-F5344CB8AC3E}">
-        <p14:creationId xmlns:p14="http://schemas.microsoft.com/office/powerpoint/2010/main" val="4042461181"/>
+        <p14:creationId xmlns:p14="http://schemas.microsoft.com/office/powerpoint/2010/main" val="2105840340"/>
       </p:ext>
     </p:extLst>
   </p:cSld>
@@ -723,27 +744,7 @@
           <a:bodyPr/>
           <a:lstStyle/>
           <a:p>
-            <a:pPr marL="0" marR="0" lvl="0" indent="0" algn="l" defTabSz="914400" rtl="0" eaLnBrk="1" fontAlgn="auto" latinLnBrk="0" hangingPunct="1">
-              <a:lnSpc>
-                <a:spcPct val="100000"/>
-              </a:lnSpc>
-              <a:spcBef>
-                <a:spcPts val="0"/>
-              </a:spcBef>
-              <a:spcAft>
-                <a:spcPts val="0"/>
-              </a:spcAft>
-              <a:buClrTx/>
-              <a:buSzTx/>
-              <a:buFontTx/>
-              <a:buNone/>
-              <a:tabLst/>
-              <a:defRPr/>
-            </a:pPr>
-            <a:endParaRPr lang="en-SG" b="0" i="0" dirty="0">
-              <a:effectLst/>
-              <a:latin typeface="Segoe UI" panose="020B0502040204020203" pitchFamily="34" charset="0"/>
-            </a:endParaRPr>
+            <a:endParaRPr lang="en-SG" dirty="0"/>
           </a:p>
         </p:txBody>
       </p:sp>
@@ -773,7 +774,7 @@
     </p:spTree>
     <p:extLst>
       <p:ext uri="{BB962C8B-B14F-4D97-AF65-F5344CB8AC3E}">
-        <p14:creationId xmlns:p14="http://schemas.microsoft.com/office/powerpoint/2010/main" val="2492102082"/>
+        <p14:creationId xmlns:p14="http://schemas.microsoft.com/office/powerpoint/2010/main" val="4042461181"/>
       </p:ext>
     </p:extLst>
   </p:cSld>
@@ -827,7 +828,23 @@
           <a:bodyPr/>
           <a:lstStyle/>
           <a:p>
-            <a:pPr fontAlgn="t"/>
+            <a:pPr marL="0" marR="0" lvl="0" indent="0" algn="l" defTabSz="914400" rtl="0" eaLnBrk="1" fontAlgn="auto" latinLnBrk="0" hangingPunct="1">
+              <a:lnSpc>
+                <a:spcPct val="100000"/>
+              </a:lnSpc>
+              <a:spcBef>
+                <a:spcPts val="0"/>
+              </a:spcBef>
+              <a:spcAft>
+                <a:spcPts val="0"/>
+              </a:spcAft>
+              <a:buClrTx/>
+              <a:buSzTx/>
+              <a:buFontTx/>
+              <a:buNone/>
+              <a:tabLst/>
+              <a:defRPr/>
+            </a:pPr>
             <a:endParaRPr lang="en-SG" b="0" i="0" dirty="0">
               <a:effectLst/>
               <a:latin typeface="Segoe UI" panose="020B0502040204020203" pitchFamily="34" charset="0"/>
@@ -861,7 +878,7 @@
     </p:spTree>
     <p:extLst>
       <p:ext uri="{BB962C8B-B14F-4D97-AF65-F5344CB8AC3E}">
-        <p14:creationId xmlns:p14="http://schemas.microsoft.com/office/powerpoint/2010/main" val="2658034151"/>
+        <p14:creationId xmlns:p14="http://schemas.microsoft.com/office/powerpoint/2010/main" val="2492102082"/>
       </p:ext>
     </p:extLst>
   </p:cSld>
@@ -915,23 +932,7 @@
           <a:bodyPr/>
           <a:lstStyle/>
           <a:p>
-            <a:pPr marL="0" marR="0" lvl="0" indent="0" algn="l" defTabSz="914400" rtl="0" eaLnBrk="1" fontAlgn="auto" latinLnBrk="0" hangingPunct="1">
-              <a:lnSpc>
-                <a:spcPct val="100000"/>
-              </a:lnSpc>
-              <a:spcBef>
-                <a:spcPts val="0"/>
-              </a:spcBef>
-              <a:spcAft>
-                <a:spcPts val="0"/>
-              </a:spcAft>
-              <a:buClrTx/>
-              <a:buSzTx/>
-              <a:buFontTx/>
-              <a:buNone/>
-              <a:tabLst/>
-              <a:defRPr/>
-            </a:pPr>
+            <a:pPr fontAlgn="t"/>
             <a:endParaRPr lang="en-SG" b="0" i="0" dirty="0">
               <a:effectLst/>
               <a:latin typeface="Segoe UI" panose="020B0502040204020203" pitchFamily="34" charset="0"/>
@@ -965,7 +966,7 @@
     </p:spTree>
     <p:extLst>
       <p:ext uri="{BB962C8B-B14F-4D97-AF65-F5344CB8AC3E}">
-        <p14:creationId xmlns:p14="http://schemas.microsoft.com/office/powerpoint/2010/main" val="1659896262"/>
+        <p14:creationId xmlns:p14="http://schemas.microsoft.com/office/powerpoint/2010/main" val="2658034151"/>
       </p:ext>
     </p:extLst>
   </p:cSld>
@@ -1061,6 +1062,110 @@
             <a:fld id="{08369D7E-2254-4841-A5FA-2126842E5548}" type="slidenum">
               <a:rPr lang="en-SG" smtClean="0"/>
               <a:t>9</a:t>
+            </a:fld>
+            <a:endParaRPr lang="en-SG"/>
+          </a:p>
+        </p:txBody>
+      </p:sp>
+    </p:spTree>
+    <p:extLst>
+      <p:ext uri="{BB962C8B-B14F-4D97-AF65-F5344CB8AC3E}">
+        <p14:creationId xmlns:p14="http://schemas.microsoft.com/office/powerpoint/2010/main" val="1659896262"/>
+      </p:ext>
+    </p:extLst>
+  </p:cSld>
+  <p:clrMapOvr>
+    <a:masterClrMapping/>
+  </p:clrMapOvr>
+</p:notes>
+</file>
+
+<file path=ppt/notesSlides/notesSlide7.xml><?xml version="1.0" encoding="utf-8"?>
+<p:notes xmlns:a="http://schemas.openxmlformats.org/drawingml/2006/main" xmlns:r="http://schemas.openxmlformats.org/officeDocument/2006/relationships" xmlns:p="http://schemas.openxmlformats.org/presentationml/2006/main">
+  <p:cSld>
+    <p:spTree>
+      <p:nvGrpSpPr>
+        <p:cNvPr id="1" name=""/>
+        <p:cNvGrpSpPr/>
+        <p:nvPr/>
+      </p:nvGrpSpPr>
+      <p:grpSpPr>
+        <a:xfrm>
+          <a:off x="0" y="0"/>
+          <a:ext cx="0" cy="0"/>
+          <a:chOff x="0" y="0"/>
+          <a:chExt cx="0" cy="0"/>
+        </a:xfrm>
+      </p:grpSpPr>
+      <p:sp>
+        <p:nvSpPr>
+          <p:cNvPr id="2" name="Slide Image Placeholder 1"/>
+          <p:cNvSpPr>
+            <a:spLocks noGrp="1" noRot="1" noChangeAspect="1"/>
+          </p:cNvSpPr>
+          <p:nvPr>
+            <p:ph type="sldImg"/>
+          </p:nvPr>
+        </p:nvSpPr>
+        <p:spPr/>
+      </p:sp>
+      <p:sp>
+        <p:nvSpPr>
+          <p:cNvPr id="3" name="Notes Placeholder 2"/>
+          <p:cNvSpPr>
+            <a:spLocks noGrp="1"/>
+          </p:cNvSpPr>
+          <p:nvPr>
+            <p:ph type="body" idx="1"/>
+          </p:nvPr>
+        </p:nvSpPr>
+        <p:spPr/>
+        <p:txBody>
+          <a:bodyPr/>
+          <a:lstStyle/>
+          <a:p>
+            <a:pPr marL="0" marR="0" lvl="0" indent="0" algn="l" defTabSz="914400" rtl="0" eaLnBrk="1" fontAlgn="auto" latinLnBrk="0" hangingPunct="1">
+              <a:lnSpc>
+                <a:spcPct val="100000"/>
+              </a:lnSpc>
+              <a:spcBef>
+                <a:spcPts val="0"/>
+              </a:spcBef>
+              <a:spcAft>
+                <a:spcPts val="0"/>
+              </a:spcAft>
+              <a:buClrTx/>
+              <a:buSzTx/>
+              <a:buFontTx/>
+              <a:buNone/>
+              <a:tabLst/>
+              <a:defRPr/>
+            </a:pPr>
+            <a:endParaRPr lang="en-SG" b="0" i="0" dirty="0">
+              <a:effectLst/>
+              <a:latin typeface="Segoe UI" panose="020B0502040204020203" pitchFamily="34" charset="0"/>
+            </a:endParaRPr>
+          </a:p>
+        </p:txBody>
+      </p:sp>
+      <p:sp>
+        <p:nvSpPr>
+          <p:cNvPr id="4" name="Slide Number Placeholder 3"/>
+          <p:cNvSpPr>
+            <a:spLocks noGrp="1"/>
+          </p:cNvSpPr>
+          <p:nvPr>
+            <p:ph type="sldNum" sz="quarter" idx="5"/>
+          </p:nvPr>
+        </p:nvSpPr>
+        <p:spPr/>
+        <p:txBody>
+          <a:bodyPr/>
+          <a:lstStyle/>
+          <a:p>
+            <a:fld id="{08369D7E-2254-4841-A5FA-2126842E5548}" type="slidenum">
+              <a:rPr lang="en-SG" smtClean="0"/>
+              <a:t>10</a:t>
             </a:fld>
             <a:endParaRPr lang="en-SG"/>
           </a:p>
@@ -1258,7 +1363,7 @@
           <a:p>
             <a:fld id="{5BCAD085-E8A6-8845-BD4E-CB4CCA059FC4}" type="datetimeFigureOut">
               <a:rPr lang="en-US" smtClean="0"/>
-              <a:t>12/8/2025</a:t>
+              <a:t>12/10/2025</a:t>
             </a:fld>
             <a:endParaRPr lang="en-US"/>
           </a:p>
@@ -1426,7 +1531,7 @@
           <a:p>
             <a:fld id="{5BCAD085-E8A6-8845-BD4E-CB4CCA059FC4}" type="datetimeFigureOut">
               <a:rPr lang="en-US" smtClean="0"/>
-              <a:t>12/8/2025</a:t>
+              <a:t>12/10/2025</a:t>
             </a:fld>
             <a:endParaRPr lang="en-US"/>
           </a:p>
@@ -1604,7 +1709,7 @@
           <a:p>
             <a:fld id="{5BCAD085-E8A6-8845-BD4E-CB4CCA059FC4}" type="datetimeFigureOut">
               <a:rPr lang="en-US" smtClean="0"/>
-              <a:t>12/8/2025</a:t>
+              <a:t>12/10/2025</a:t>
             </a:fld>
             <a:endParaRPr lang="en-US"/>
           </a:p>
@@ -1772,7 +1877,7 @@
           <a:p>
             <a:fld id="{5BCAD085-E8A6-8845-BD4E-CB4CCA059FC4}" type="datetimeFigureOut">
               <a:rPr lang="en-US" smtClean="0"/>
-              <a:t>12/8/2025</a:t>
+              <a:t>12/10/2025</a:t>
             </a:fld>
             <a:endParaRPr lang="en-US"/>
           </a:p>
@@ -2017,7 +2122,7 @@
           <a:p>
             <a:fld id="{5BCAD085-E8A6-8845-BD4E-CB4CCA059FC4}" type="datetimeFigureOut">
               <a:rPr lang="en-US" smtClean="0"/>
-              <a:t>12/8/2025</a:t>
+              <a:t>12/10/2025</a:t>
             </a:fld>
             <a:endParaRPr lang="en-US"/>
           </a:p>
@@ -2302,7 +2407,7 @@
           <a:p>
             <a:fld id="{5BCAD085-E8A6-8845-BD4E-CB4CCA059FC4}" type="datetimeFigureOut">
               <a:rPr lang="en-US" smtClean="0"/>
-              <a:t>12/8/2025</a:t>
+              <a:t>12/10/2025</a:t>
             </a:fld>
             <a:endParaRPr lang="en-US"/>
           </a:p>
@@ -2721,7 +2826,7 @@
           <a:p>
             <a:fld id="{5BCAD085-E8A6-8845-BD4E-CB4CCA059FC4}" type="datetimeFigureOut">
               <a:rPr lang="en-US" smtClean="0"/>
-              <a:t>12/8/2025</a:t>
+              <a:t>12/10/2025</a:t>
             </a:fld>
             <a:endParaRPr lang="en-US"/>
           </a:p>
@@ -2838,7 +2943,7 @@
           <a:p>
             <a:fld id="{5BCAD085-E8A6-8845-BD4E-CB4CCA059FC4}" type="datetimeFigureOut">
               <a:rPr lang="en-US" smtClean="0"/>
-              <a:t>12/8/2025</a:t>
+              <a:t>12/10/2025</a:t>
             </a:fld>
             <a:endParaRPr lang="en-US"/>
           </a:p>
@@ -2933,7 +3038,7 @@
           <a:p>
             <a:fld id="{5BCAD085-E8A6-8845-BD4E-CB4CCA059FC4}" type="datetimeFigureOut">
               <a:rPr lang="en-US" smtClean="0"/>
-              <a:t>12/8/2025</a:t>
+              <a:t>12/10/2025</a:t>
             </a:fld>
             <a:endParaRPr lang="en-US"/>
           </a:p>
@@ -3208,7 +3313,7 @@
           <a:p>
             <a:fld id="{5BCAD085-E8A6-8845-BD4E-CB4CCA059FC4}" type="datetimeFigureOut">
               <a:rPr lang="en-US" smtClean="0"/>
-              <a:t>12/8/2025</a:t>
+              <a:t>12/10/2025</a:t>
             </a:fld>
             <a:endParaRPr lang="en-US"/>
           </a:p>
@@ -3460,7 +3565,7 @@
           <a:p>
             <a:fld id="{5BCAD085-E8A6-8845-BD4E-CB4CCA059FC4}" type="datetimeFigureOut">
               <a:rPr lang="en-US" smtClean="0"/>
-              <a:t>12/8/2025</a:t>
+              <a:t>12/10/2025</a:t>
             </a:fld>
             <a:endParaRPr lang="en-US"/>
           </a:p>
@@ -3671,7 +3776,7 @@
           <a:p>
             <a:fld id="{5BCAD085-E8A6-8845-BD4E-CB4CCA059FC4}" type="datetimeFigureOut">
               <a:rPr lang="en-US" smtClean="0"/>
-              <a:t>12/8/2025</a:t>
+              <a:t>12/10/2025</a:t>
             </a:fld>
             <a:endParaRPr lang="en-US"/>
           </a:p>
@@ -4197,6 +4302,196 @@
 </p:sld>
 </file>
 
+<file path=ppt/slides/slide10.xml><?xml version="1.0" encoding="utf-8"?>
+<p:sld xmlns:a="http://schemas.openxmlformats.org/drawingml/2006/main" xmlns:r="http://schemas.openxmlformats.org/officeDocument/2006/relationships" xmlns:p="http://schemas.openxmlformats.org/presentationml/2006/main">
+  <p:cSld>
+    <p:spTree>
+      <p:nvGrpSpPr>
+        <p:cNvPr id="1" name=""/>
+        <p:cNvGrpSpPr/>
+        <p:nvPr/>
+      </p:nvGrpSpPr>
+      <p:grpSpPr>
+        <a:xfrm>
+          <a:off x="0" y="0"/>
+          <a:ext cx="0" cy="0"/>
+          <a:chOff x="0" y="0"/>
+          <a:chExt cx="0" cy="0"/>
+        </a:xfrm>
+      </p:grpSpPr>
+      <p:sp>
+        <p:nvSpPr>
+          <p:cNvPr id="2" name="Title 1">
+            <a:extLst>
+              <a:ext uri="{FF2B5EF4-FFF2-40B4-BE49-F238E27FC236}">
+                <a16:creationId xmlns:a16="http://schemas.microsoft.com/office/drawing/2014/main" id="{0D3516C7-A346-F40B-7606-2FB7B4C31AA1}"/>
+              </a:ext>
+            </a:extLst>
+          </p:cNvPr>
+          <p:cNvSpPr>
+            <a:spLocks noGrp="1"/>
+          </p:cNvSpPr>
+          <p:nvPr>
+            <p:ph type="title"/>
+          </p:nvPr>
+        </p:nvSpPr>
+        <p:spPr/>
+        <p:txBody>
+          <a:bodyPr>
+            <a:normAutofit/>
+          </a:bodyPr>
+          <a:lstStyle/>
+          <a:p>
+            <a:r>
+              <a:rPr lang="en-SG" b="0" i="0" dirty="0">
+                <a:effectLst/>
+                <a:latin typeface="Segoe UI" panose="020B0502040204020203" pitchFamily="34" charset="0"/>
+              </a:rPr>
+              <a:t>Tooling &amp; Wrap-up</a:t>
+            </a:r>
+            <a:endParaRPr lang="en-SG" dirty="0"/>
+          </a:p>
+        </p:txBody>
+      </p:sp>
+      <p:sp>
+        <p:nvSpPr>
+          <p:cNvPr id="3" name="Content Placeholder 2">
+            <a:extLst>
+              <a:ext uri="{FF2B5EF4-FFF2-40B4-BE49-F238E27FC236}">
+                <a16:creationId xmlns:a16="http://schemas.microsoft.com/office/drawing/2014/main" id="{95D25C10-BCF4-9A4C-FFDF-66C204C7C029}"/>
+              </a:ext>
+            </a:extLst>
+          </p:cNvPr>
+          <p:cNvSpPr>
+            <a:spLocks noGrp="1"/>
+          </p:cNvSpPr>
+          <p:nvPr>
+            <p:ph idx="1"/>
+          </p:nvPr>
+        </p:nvSpPr>
+        <p:spPr/>
+        <p:txBody>
+          <a:bodyPr/>
+          <a:lstStyle/>
+          <a:p>
+            <a:pPr fontAlgn="t"/>
+            <a:r>
+              <a:rPr lang="en-SG" dirty="0"/>
+              <a:t>Virtual </a:t>
+            </a:r>
+            <a:r>
+              <a:rPr lang="en-SG" dirty="0" err="1"/>
+              <a:t>envs</a:t>
+            </a:r>
+            <a:r>
+              <a:rPr lang="en-SG" dirty="0"/>
+              <a:t> &amp; pip (setup_instructions.md)</a:t>
+            </a:r>
+          </a:p>
+          <a:p>
+            <a:pPr fontAlgn="t"/>
+            <a:r>
+              <a:rPr lang="en-SG" dirty="0"/>
+              <a:t>Formatters &amp; linters: black, ruff</a:t>
+            </a:r>
+          </a:p>
+          <a:p>
+            <a:pPr fontAlgn="t"/>
+            <a:r>
+              <a:rPr lang="en-SG" dirty="0"/>
+              <a:t>Type checking: </a:t>
+            </a:r>
+            <a:r>
+              <a:rPr lang="en-SG" dirty="0" err="1"/>
+              <a:t>mypy</a:t>
+            </a:r>
+            <a:r>
+              <a:rPr lang="en-SG" dirty="0"/>
+              <a:t>; </a:t>
+            </a:r>
+          </a:p>
+          <a:p>
+            <a:pPr fontAlgn="t"/>
+            <a:r>
+              <a:rPr lang="en-SG" dirty="0"/>
+              <a:t>Testing: </a:t>
+            </a:r>
+            <a:r>
+              <a:rPr lang="en-SG" dirty="0" err="1"/>
+              <a:t>pytest</a:t>
+            </a:r>
+            <a:endParaRPr lang="en-SG" dirty="0"/>
+          </a:p>
+        </p:txBody>
+      </p:sp>
+      <p:sp>
+        <p:nvSpPr>
+          <p:cNvPr id="5" name="TextBox 4">
+            <a:extLst>
+              <a:ext uri="{FF2B5EF4-FFF2-40B4-BE49-F238E27FC236}">
+                <a16:creationId xmlns:a16="http://schemas.microsoft.com/office/drawing/2014/main" id="{35995349-DD56-42C7-3F98-845FF83A3405}"/>
+              </a:ext>
+            </a:extLst>
+          </p:cNvPr>
+          <p:cNvSpPr txBox="1"/>
+          <p:nvPr/>
+        </p:nvSpPr>
+        <p:spPr>
+          <a:xfrm>
+            <a:off x="889819" y="4638057"/>
+            <a:ext cx="4572000" cy="369332"/>
+          </a:xfrm>
+          <a:prstGeom prst="rect">
+            <a:avLst/>
+          </a:prstGeom>
+          <a:noFill/>
+        </p:spPr>
+        <p:txBody>
+          <a:bodyPr wrap="square">
+            <a:spAutoFit/>
+          </a:bodyPr>
+          <a:lstStyle/>
+          <a:p>
+            <a:pPr marL="0" marR="0" lvl="0" indent="0" algn="l" defTabSz="914400" rtl="0" eaLnBrk="1" fontAlgn="auto" latinLnBrk="0" hangingPunct="1">
+              <a:lnSpc>
+                <a:spcPct val="100000"/>
+              </a:lnSpc>
+              <a:spcBef>
+                <a:spcPts val="0"/>
+              </a:spcBef>
+              <a:spcAft>
+                <a:spcPts val="0"/>
+              </a:spcAft>
+              <a:buClrTx/>
+              <a:buSzTx/>
+              <a:buFontTx/>
+              <a:buNone/>
+              <a:tabLst/>
+              <a:defRPr/>
+            </a:pPr>
+            <a:r>
+              <a:rPr lang="en-SG" b="0" i="0" dirty="0">
+                <a:effectLst/>
+                <a:latin typeface="Segoe UI" panose="020B0502040204020203" pitchFamily="34" charset="0"/>
+              </a:rPr>
+              <a:t>https://peps.python.org/pep-0008/</a:t>
+            </a:r>
+          </a:p>
+        </p:txBody>
+      </p:sp>
+    </p:spTree>
+    <p:extLst>
+      <p:ext uri="{BB962C8B-B14F-4D97-AF65-F5344CB8AC3E}">
+        <p14:creationId xmlns:p14="http://schemas.microsoft.com/office/powerpoint/2010/main" val="2571422063"/>
+      </p:ext>
+    </p:extLst>
+  </p:cSld>
+  <p:clrMapOvr>
+    <a:masterClrMapping/>
+  </p:clrMapOvr>
+</p:sld>
+</file>
+
 <file path=ppt/slides/slide2.xml><?xml version="1.0" encoding="utf-8"?>
 <p:sld xmlns:a="http://schemas.openxmlformats.org/drawingml/2006/main" xmlns:r="http://schemas.openxmlformats.org/officeDocument/2006/relationships" xmlns:p="http://schemas.openxmlformats.org/presentationml/2006/main">
   <p:cSld>
@@ -4496,7 +4791,7 @@
           <a:p>
             <a:r>
               <a:rPr lang="en-US" dirty="0"/>
-              <a:t>Dynamic typing &amp; duck typing</a:t>
+              <a:t>Dynamic typing</a:t>
             </a:r>
           </a:p>
           <a:p>
@@ -4520,6 +4815,182 @@
             <a:r>
               <a:rPr lang="en-US" dirty="0"/>
               <a:t>Prefer readability &amp; simplicity</a:t>
+            </a:r>
+          </a:p>
+          <a:p>
+            <a:endParaRPr lang="en-US" dirty="0"/>
+          </a:p>
+          <a:p>
+            <a:endParaRPr lang="en-US" dirty="0"/>
+          </a:p>
+          <a:p>
+            <a:endParaRPr lang="en-US" dirty="0"/>
+          </a:p>
+        </p:txBody>
+      </p:sp>
+      <p:graphicFrame>
+        <p:nvGraphicFramePr>
+          <p:cNvPr id="6" name="Table 5">
+            <a:extLst>
+              <a:ext uri="{FF2B5EF4-FFF2-40B4-BE49-F238E27FC236}">
+                <a16:creationId xmlns:a16="http://schemas.microsoft.com/office/drawing/2014/main" id="{5D7E5F6D-2EBE-4620-7D2F-B609DCC46A04}"/>
+              </a:ext>
+            </a:extLst>
+          </p:cNvPr>
+          <p:cNvGraphicFramePr>
+            <a:graphicFrameLocks noGrp="1"/>
+          </p:cNvGraphicFramePr>
+          <p:nvPr>
+            <p:extLst>
+              <p:ext uri="{D42A27DB-BD31-4B8C-83A1-F6EECF244321}">
+                <p14:modId xmlns:p14="http://schemas.microsoft.com/office/powerpoint/2010/main" val="3631987549"/>
+              </p:ext>
+            </p:extLst>
+          </p:nvPr>
+        </p:nvGraphicFramePr>
+        <p:xfrm>
+          <a:off x="555523" y="4902183"/>
+          <a:ext cx="8229600" cy="731520"/>
+        </p:xfrm>
+        <a:graphic>
+          <a:graphicData uri="http://schemas.openxmlformats.org/drawingml/2006/table">
+            <a:tbl>
+              <a:tblPr/>
+              <a:tblGrid>
+                <a:gridCol w="8229600">
+                  <a:extLst>
+                    <a:ext uri="{9D8B030D-6E8A-4147-A177-3AD203B41FA5}">
+                      <a16:colId xmlns:a16="http://schemas.microsoft.com/office/drawing/2014/main" val="292993104"/>
+                    </a:ext>
+                  </a:extLst>
+                </a:gridCol>
+              </a:tblGrid>
+              <a:tr h="0">
+                <a:tc>
+                  <a:txBody>
+                    <a:bodyPr/>
+                    <a:lstStyle/>
+                    <a:p>
+                      <a:pPr fontAlgn="t"/>
+                      <a:r>
+                        <a:rPr lang="en-SG" b="0" i="0">
+                          <a:effectLst/>
+                          <a:latin typeface="Segoe UI" panose="020B0502040204020203" pitchFamily="34" charset="0"/>
+                        </a:rPr>
+                        <a:t>https://docs.python.org/3/library/</a:t>
+                      </a:r>
+                    </a:p>
+                  </a:txBody>
+                  <a:tcPr>
+                    <a:lnL w="7620" cap="flat" cmpd="sng" algn="ctr">
+                      <a:solidFill>
+                        <a:srgbClr val="E6E6E6"/>
+                      </a:solidFill>
+                      <a:prstDash val="solid"/>
+                      <a:round/>
+                      <a:headEnd type="none" w="med" len="med"/>
+                      <a:tailEnd type="none" w="med" len="med"/>
+                    </a:lnL>
+                    <a:lnR w="7620" cap="flat" cmpd="sng" algn="ctr">
+                      <a:solidFill>
+                        <a:srgbClr val="E6E6E6"/>
+                      </a:solidFill>
+                      <a:prstDash val="solid"/>
+                      <a:round/>
+                      <a:headEnd type="none" w="med" len="med"/>
+                      <a:tailEnd type="none" w="med" len="med"/>
+                    </a:lnR>
+                    <a:lnT w="7620" cap="flat" cmpd="sng" algn="ctr">
+                      <a:solidFill>
+                        <a:srgbClr val="E6E6E6"/>
+                      </a:solidFill>
+                      <a:prstDash val="solid"/>
+                      <a:round/>
+                      <a:headEnd type="none" w="med" len="med"/>
+                      <a:tailEnd type="none" w="med" len="med"/>
+                    </a:lnT>
+                    <a:lnB w="7620" cap="flat" cmpd="sng" algn="ctr">
+                      <a:solidFill>
+                        <a:srgbClr val="E6E6E6"/>
+                      </a:solidFill>
+                      <a:prstDash val="solid"/>
+                      <a:round/>
+                      <a:headEnd type="none" w="med" len="med"/>
+                      <a:tailEnd type="none" w="med" len="med"/>
+                    </a:lnB>
+                    <a:solidFill>
+                      <a:srgbClr val="F5F5F5"/>
+                    </a:solidFill>
+                  </a:tcPr>
+                </a:tc>
+                <a:extLst>
+                  <a:ext uri="{0D108BD9-81ED-4DB2-BD59-A6C34878D82A}">
+                    <a16:rowId xmlns:a16="http://schemas.microsoft.com/office/drawing/2014/main" val="1558758389"/>
+                  </a:ext>
+                </a:extLst>
+              </a:tr>
+              <a:tr h="0">
+                <a:tc>
+                  <a:txBody>
+                    <a:bodyPr/>
+                    <a:lstStyle/>
+                    <a:p>
+                      <a:endParaRPr lang="en-SG" dirty="0"/>
+                    </a:p>
+                  </a:txBody>
+                  <a:tcPr>
+                    <a:lnT w="7620" cap="flat" cmpd="sng" algn="ctr">
+                      <a:solidFill>
+                        <a:srgbClr val="E6E6E6"/>
+                      </a:solidFill>
+                      <a:prstDash val="solid"/>
+                      <a:round/>
+                      <a:headEnd type="none" w="med" len="med"/>
+                      <a:tailEnd type="none" w="med" len="med"/>
+                    </a:lnT>
+                  </a:tcPr>
+                </a:tc>
+                <a:extLst>
+                  <a:ext uri="{0D108BD9-81ED-4DB2-BD59-A6C34878D82A}">
+                    <a16:rowId xmlns:a16="http://schemas.microsoft.com/office/drawing/2014/main" val="1888181710"/>
+                  </a:ext>
+                </a:extLst>
+              </a:tr>
+            </a:tbl>
+          </a:graphicData>
+        </a:graphic>
+      </p:graphicFrame>
+      <p:sp>
+        <p:nvSpPr>
+          <p:cNvPr id="8" name="TextBox 7">
+            <a:extLst>
+              <a:ext uri="{FF2B5EF4-FFF2-40B4-BE49-F238E27FC236}">
+                <a16:creationId xmlns:a16="http://schemas.microsoft.com/office/drawing/2014/main" id="{D46136C0-B207-020C-2981-12F24350F5DD}"/>
+              </a:ext>
+            </a:extLst>
+          </p:cNvPr>
+          <p:cNvSpPr txBox="1"/>
+          <p:nvPr/>
+        </p:nvSpPr>
+        <p:spPr>
+          <a:xfrm>
+            <a:off x="1755058" y="3863181"/>
+            <a:ext cx="4572000" cy="369332"/>
+          </a:xfrm>
+          <a:prstGeom prst="rect">
+            <a:avLst/>
+          </a:prstGeom>
+          <a:noFill/>
+        </p:spPr>
+        <p:txBody>
+          <a:bodyPr wrap="square">
+            <a:spAutoFit/>
+          </a:bodyPr>
+          <a:lstStyle/>
+          <a:p>
+            <a:r>
+              <a:rPr lang="en-SG" dirty="0"/>
+              <a:t>https://realpython.com/zen-of-python/</a:t>
             </a:r>
           </a:p>
         </p:txBody>
@@ -4559,7 +5030,7 @@
           <p:cNvPr id="2" name="Title 1">
             <a:extLst>
               <a:ext uri="{FF2B5EF4-FFF2-40B4-BE49-F238E27FC236}">
-                <a16:creationId xmlns:a16="http://schemas.microsoft.com/office/drawing/2014/main" id="{D0EAB7A1-8084-4BD8-CE05-4C831E7EA664}"/>
+                <a16:creationId xmlns:a16="http://schemas.microsoft.com/office/drawing/2014/main" id="{86266A89-747E-4711-DCB5-7935B9BAE3CB}"/>
               </a:ext>
             </a:extLst>
           </p:cNvPr>
@@ -4572,12 +5043,23 @@
         </p:nvSpPr>
         <p:spPr/>
         <p:txBody>
-          <a:bodyPr/>
-          <a:lstStyle/>
-          <a:p>
-            <a:r>
-              <a:rPr lang="en-US" dirty="0"/>
-              <a:t>Basics</a:t>
+          <a:bodyPr>
+            <a:normAutofit/>
+          </a:bodyPr>
+          <a:lstStyle/>
+          <a:p>
+            <a:r>
+              <a:rPr lang="en-SG" dirty="0">
+                <a:latin typeface="Segoe UI" panose="020B0502040204020203" pitchFamily="34" charset="0"/>
+              </a:rPr>
+              <a:t>L</a:t>
+            </a:r>
+            <a:r>
+              <a:rPr lang="en-SG" b="0" i="0" dirty="0">
+                <a:effectLst/>
+                <a:latin typeface="Segoe UI" panose="020B0502040204020203" pitchFamily="34" charset="0"/>
+              </a:rPr>
+              <a:t>ot of functionality “built-in”</a:t>
             </a:r>
             <a:endParaRPr lang="en-SG" dirty="0"/>
           </a:p>
@@ -4585,10 +5067,10 @@
       </p:sp>
       <p:sp>
         <p:nvSpPr>
-          <p:cNvPr id="3" name="Content Placeholder 2">
+          <p:cNvPr id="8" name="Content Placeholder 7">
             <a:extLst>
               <a:ext uri="{FF2B5EF4-FFF2-40B4-BE49-F238E27FC236}">
-                <a16:creationId xmlns:a16="http://schemas.microsoft.com/office/drawing/2014/main" id="{65A81854-32F7-A49C-29E3-B1DB67C577D0}"/>
+                <a16:creationId xmlns:a16="http://schemas.microsoft.com/office/drawing/2014/main" id="{B344D9FC-FC0A-DCD1-BED8-37C53A99FF28}"/>
               </a:ext>
             </a:extLst>
           </p:cNvPr>
@@ -4604,35 +5086,388 @@
           <a:bodyPr/>
           <a:lstStyle/>
           <a:p>
-            <a:r>
-              <a:rPr lang="en-US" dirty="0"/>
-              <a:t>Variables, expressions, f-strings</a:t>
-            </a:r>
-          </a:p>
-          <a:p>
-            <a:r>
-              <a:rPr lang="en-US" dirty="0"/>
-              <a:t>Control flow: if/for/while</a:t>
-            </a:r>
-          </a:p>
-          <a:p>
-            <a:r>
-              <a:rPr lang="en-US" dirty="0"/>
-              <a:t>Functions: defaults, keywords</a:t>
-            </a:r>
-          </a:p>
-          <a:p>
-            <a:r>
-              <a:rPr lang="en-US" dirty="0"/>
-              <a:t>Exceptions: try/except/else/finally</a:t>
-            </a:r>
+            <a:pPr marL="0" indent="0" algn="l" rtl="0" eaLnBrk="1" fontAlgn="t" latinLnBrk="0" hangingPunct="1">
+              <a:spcBef>
+                <a:spcPts val="0"/>
+              </a:spcBef>
+              <a:spcAft>
+                <a:spcPts val="0"/>
+              </a:spcAft>
+              <a:buClrTx/>
+              <a:buSzPts val="1800"/>
+              <a:buNone/>
+            </a:pPr>
+            <a:r>
+              <a:rPr lang="en-SG" sz="3200" b="0" i="0" u="none" strike="noStrike" kern="1200" dirty="0">
+                <a:solidFill>
+                  <a:srgbClr val="000000"/>
+                </a:solidFill>
+                <a:effectLst/>
+                <a:latin typeface="Segoe UI" panose="020B0502040204020203" pitchFamily="34" charset="0"/>
+              </a:rPr>
+              <a:t>The standard library covers: </a:t>
+            </a:r>
+            <a:endParaRPr lang="en-SG" sz="3200" b="0" i="0" u="none" strike="noStrike" dirty="0">
+              <a:effectLst/>
+              <a:latin typeface="Arial" panose="020B0604020202020204" pitchFamily="34" charset="0"/>
+            </a:endParaRPr>
+          </a:p>
+          <a:p>
+            <a:pPr marL="0" algn="l" rtl="0" eaLnBrk="1" fontAlgn="t" latinLnBrk="0" hangingPunct="1">
+              <a:spcBef>
+                <a:spcPts val="0"/>
+              </a:spcBef>
+              <a:spcAft>
+                <a:spcPts val="0"/>
+              </a:spcAft>
+            </a:pPr>
+            <a:r>
+              <a:rPr lang="en-SG" sz="3200" b="1" i="0" u="none" strike="noStrike" kern="1200" dirty="0">
+                <a:solidFill>
+                  <a:srgbClr val="000000"/>
+                </a:solidFill>
+                <a:effectLst/>
+                <a:latin typeface="Segoe UI" panose="020B0502040204020203" pitchFamily="34" charset="0"/>
+              </a:rPr>
+              <a:t>File I/O</a:t>
+            </a:r>
+            <a:r>
+              <a:rPr lang="en-SG" sz="3200" b="0" i="0" u="none" strike="noStrike" kern="1200" dirty="0">
+                <a:solidFill>
+                  <a:srgbClr val="000000"/>
+                </a:solidFill>
+                <a:effectLst/>
+                <a:latin typeface="Segoe UI" panose="020B0502040204020203" pitchFamily="34" charset="0"/>
+              </a:rPr>
+              <a:t> (</a:t>
+            </a:r>
+            <a:r>
+              <a:rPr lang="en-SG" sz="3200" b="0" i="0" u="none" strike="noStrike" kern="1200" dirty="0" err="1">
+                <a:solidFill>
+                  <a:srgbClr val="000000"/>
+                </a:solidFill>
+                <a:effectLst/>
+                <a:latin typeface="Segoe UI" panose="020B0502040204020203" pitchFamily="34" charset="0"/>
+              </a:rPr>
+              <a:t>pathlib</a:t>
+            </a:r>
+            <a:r>
+              <a:rPr lang="en-SG" sz="3200" b="0" i="0" u="none" strike="noStrike" kern="1200" dirty="0">
+                <a:solidFill>
+                  <a:srgbClr val="000000"/>
+                </a:solidFill>
+                <a:effectLst/>
+                <a:latin typeface="Segoe UI" panose="020B0502040204020203" pitchFamily="34" charset="0"/>
+              </a:rPr>
+              <a:t>, </a:t>
+            </a:r>
+            <a:r>
+              <a:rPr lang="en-SG" sz="3200" b="0" i="0" u="none" strike="noStrike" kern="1200" dirty="0" err="1">
+                <a:solidFill>
+                  <a:srgbClr val="000000"/>
+                </a:solidFill>
+                <a:effectLst/>
+                <a:latin typeface="Segoe UI" panose="020B0502040204020203" pitchFamily="34" charset="0"/>
+              </a:rPr>
+              <a:t>os</a:t>
+            </a:r>
+            <a:r>
+              <a:rPr lang="en-SG" sz="3200" b="0" i="0" u="none" strike="noStrike" kern="1200" dirty="0">
+                <a:solidFill>
+                  <a:srgbClr val="000000"/>
+                </a:solidFill>
+                <a:effectLst/>
+                <a:latin typeface="Segoe UI" panose="020B0502040204020203" pitchFamily="34" charset="0"/>
+              </a:rPr>
+              <a:t>)</a:t>
+            </a:r>
+            <a:endParaRPr lang="en-SG" sz="3200" b="0" i="0" u="none" strike="noStrike" dirty="0">
+              <a:effectLst/>
+              <a:latin typeface="Arial" panose="020B0604020202020204" pitchFamily="34" charset="0"/>
+            </a:endParaRPr>
+          </a:p>
+          <a:p>
+            <a:pPr marL="0" algn="l" rtl="0" eaLnBrk="1" fontAlgn="t" latinLnBrk="0" hangingPunct="1">
+              <a:spcBef>
+                <a:spcPts val="0"/>
+              </a:spcBef>
+              <a:spcAft>
+                <a:spcPts val="0"/>
+              </a:spcAft>
+            </a:pPr>
+            <a:r>
+              <a:rPr lang="en-SG" sz="3200" b="1" i="0" u="none" strike="noStrike" kern="1200" dirty="0">
+                <a:solidFill>
+                  <a:srgbClr val="000000"/>
+                </a:solidFill>
+                <a:effectLst/>
+                <a:latin typeface="Segoe UI" panose="020B0502040204020203" pitchFamily="34" charset="0"/>
+              </a:rPr>
+              <a:t>Data formats</a:t>
+            </a:r>
+            <a:r>
+              <a:rPr lang="en-SG" sz="3200" b="0" i="0" u="none" strike="noStrike" kern="1200" dirty="0">
+                <a:solidFill>
+                  <a:srgbClr val="000000"/>
+                </a:solidFill>
+                <a:effectLst/>
+                <a:latin typeface="Segoe UI" panose="020B0502040204020203" pitchFamily="34" charset="0"/>
+              </a:rPr>
+              <a:t> (</a:t>
+            </a:r>
+            <a:r>
+              <a:rPr lang="en-SG" sz="3200" b="0" i="0" u="none" strike="noStrike" kern="1200" dirty="0" err="1">
+                <a:solidFill>
+                  <a:srgbClr val="000000"/>
+                </a:solidFill>
+                <a:effectLst/>
+                <a:latin typeface="Segoe UI" panose="020B0502040204020203" pitchFamily="34" charset="0"/>
+              </a:rPr>
+              <a:t>json</a:t>
+            </a:r>
+            <a:r>
+              <a:rPr lang="en-SG" sz="3200" b="0" i="0" u="none" strike="noStrike" kern="1200" dirty="0">
+                <a:solidFill>
+                  <a:srgbClr val="000000"/>
+                </a:solidFill>
+                <a:effectLst/>
+                <a:latin typeface="Segoe UI" panose="020B0502040204020203" pitchFamily="34" charset="0"/>
+              </a:rPr>
+              <a:t>, csv, xml)</a:t>
+            </a:r>
+            <a:endParaRPr lang="en-SG" sz="3200" b="0" i="0" u="none" strike="noStrike" dirty="0">
+              <a:effectLst/>
+              <a:latin typeface="Arial" panose="020B0604020202020204" pitchFamily="34" charset="0"/>
+            </a:endParaRPr>
+          </a:p>
+          <a:p>
+            <a:pPr marL="0" algn="l" rtl="0" eaLnBrk="1" fontAlgn="t" latinLnBrk="0" hangingPunct="1">
+              <a:spcBef>
+                <a:spcPts val="0"/>
+              </a:spcBef>
+              <a:spcAft>
+                <a:spcPts val="0"/>
+              </a:spcAft>
+            </a:pPr>
+            <a:r>
+              <a:rPr lang="en-SG" sz="3200" b="1" i="0" u="none" strike="noStrike" kern="1200" dirty="0">
+                <a:solidFill>
+                  <a:srgbClr val="000000"/>
+                </a:solidFill>
+                <a:effectLst/>
+                <a:latin typeface="Segoe UI" panose="020B0502040204020203" pitchFamily="34" charset="0"/>
+              </a:rPr>
+              <a:t>Networking</a:t>
+            </a:r>
+            <a:r>
+              <a:rPr lang="en-SG" sz="3200" b="0" i="0" u="none" strike="noStrike" kern="1200" dirty="0">
+                <a:solidFill>
+                  <a:srgbClr val="000000"/>
+                </a:solidFill>
+                <a:effectLst/>
+                <a:latin typeface="Segoe UI" panose="020B0502040204020203" pitchFamily="34" charset="0"/>
+              </a:rPr>
+              <a:t> (</a:t>
+            </a:r>
+            <a:r>
+              <a:rPr lang="en-SG" sz="3200" b="0" i="0" u="none" strike="noStrike" kern="1200" dirty="0" err="1">
+                <a:solidFill>
+                  <a:srgbClr val="000000"/>
+                </a:solidFill>
+                <a:effectLst/>
+                <a:latin typeface="Segoe UI" panose="020B0502040204020203" pitchFamily="34" charset="0"/>
+              </a:rPr>
+              <a:t>http.client</a:t>
+            </a:r>
+            <a:r>
+              <a:rPr lang="en-SG" sz="3200" b="0" i="0" u="none" strike="noStrike" kern="1200" dirty="0">
+                <a:solidFill>
+                  <a:srgbClr val="000000"/>
+                </a:solidFill>
+                <a:effectLst/>
+                <a:latin typeface="Segoe UI" panose="020B0502040204020203" pitchFamily="34" charset="0"/>
+              </a:rPr>
+              <a:t>, socket)</a:t>
+            </a:r>
+            <a:endParaRPr lang="en-SG" sz="3200" b="0" i="0" u="none" strike="noStrike" dirty="0">
+              <a:effectLst/>
+              <a:latin typeface="Arial" panose="020B0604020202020204" pitchFamily="34" charset="0"/>
+            </a:endParaRPr>
+          </a:p>
+          <a:p>
+            <a:pPr marL="0" algn="l" rtl="0" eaLnBrk="1" fontAlgn="t" latinLnBrk="0" hangingPunct="1">
+              <a:spcBef>
+                <a:spcPts val="0"/>
+              </a:spcBef>
+              <a:spcAft>
+                <a:spcPts val="0"/>
+              </a:spcAft>
+            </a:pPr>
+            <a:r>
+              <a:rPr lang="en-SG" sz="3200" b="1" i="0" u="none" strike="noStrike" kern="1200" dirty="0">
+                <a:solidFill>
+                  <a:srgbClr val="000000"/>
+                </a:solidFill>
+                <a:effectLst/>
+                <a:latin typeface="Segoe UI" panose="020B0502040204020203" pitchFamily="34" charset="0"/>
+              </a:rPr>
+              <a:t>Math &amp; statistics</a:t>
+            </a:r>
+            <a:r>
+              <a:rPr lang="en-SG" sz="3200" b="0" i="0" u="none" strike="noStrike" kern="1200" dirty="0">
+                <a:solidFill>
+                  <a:srgbClr val="000000"/>
+                </a:solidFill>
+                <a:effectLst/>
+                <a:latin typeface="Segoe UI" panose="020B0502040204020203" pitchFamily="34" charset="0"/>
+              </a:rPr>
+              <a:t> (math, statistics)</a:t>
+            </a:r>
+            <a:endParaRPr lang="en-SG" sz="3200" b="0" i="0" u="none" strike="noStrike" dirty="0">
+              <a:effectLst/>
+              <a:latin typeface="Arial" panose="020B0604020202020204" pitchFamily="34" charset="0"/>
+            </a:endParaRPr>
+          </a:p>
+          <a:p>
+            <a:pPr marL="0" algn="l" rtl="0" eaLnBrk="1" fontAlgn="t" latinLnBrk="0" hangingPunct="1">
+              <a:spcBef>
+                <a:spcPts val="0"/>
+              </a:spcBef>
+              <a:spcAft>
+                <a:spcPts val="0"/>
+              </a:spcAft>
+            </a:pPr>
+            <a:r>
+              <a:rPr lang="en-SG" sz="3200" b="1" i="0" u="none" strike="noStrike" kern="1200" dirty="0">
+                <a:solidFill>
+                  <a:srgbClr val="000000"/>
+                </a:solidFill>
+                <a:effectLst/>
+                <a:latin typeface="Segoe UI" panose="020B0502040204020203" pitchFamily="34" charset="0"/>
+              </a:rPr>
+              <a:t>Date/time</a:t>
+            </a:r>
+            <a:r>
+              <a:rPr lang="en-SG" sz="3200" b="0" i="0" u="none" strike="noStrike" kern="1200" dirty="0">
+                <a:solidFill>
+                  <a:srgbClr val="000000"/>
+                </a:solidFill>
+                <a:effectLst/>
+                <a:latin typeface="Segoe UI" panose="020B0502040204020203" pitchFamily="34" charset="0"/>
+              </a:rPr>
+              <a:t> (datetime)</a:t>
+            </a:r>
+            <a:endParaRPr lang="en-SG" sz="3200" b="0" i="0" u="none" strike="noStrike" dirty="0">
+              <a:effectLst/>
+              <a:latin typeface="Arial" panose="020B0604020202020204" pitchFamily="34" charset="0"/>
+            </a:endParaRPr>
+          </a:p>
+          <a:p>
+            <a:pPr marL="0" algn="l" rtl="0" eaLnBrk="1" fontAlgn="t" latinLnBrk="0" hangingPunct="1">
+              <a:spcBef>
+                <a:spcPts val="0"/>
+              </a:spcBef>
+              <a:spcAft>
+                <a:spcPts val="0"/>
+              </a:spcAft>
+            </a:pPr>
+            <a:r>
+              <a:rPr lang="en-SG" sz="3200" b="1" i="0" u="none" strike="noStrike" kern="1200" dirty="0">
+                <a:solidFill>
+                  <a:srgbClr val="000000"/>
+                </a:solidFill>
+                <a:effectLst/>
+                <a:latin typeface="Segoe UI" panose="020B0502040204020203" pitchFamily="34" charset="0"/>
+              </a:rPr>
+              <a:t>Utilities</a:t>
+            </a:r>
+            <a:r>
+              <a:rPr lang="en-SG" sz="3200" b="0" i="0" u="none" strike="noStrike" kern="1200" dirty="0">
+                <a:solidFill>
+                  <a:srgbClr val="000000"/>
+                </a:solidFill>
+                <a:effectLst/>
+                <a:latin typeface="Segoe UI" panose="020B0502040204020203" pitchFamily="34" charset="0"/>
+              </a:rPr>
+              <a:t> (</a:t>
+            </a:r>
+            <a:r>
+              <a:rPr lang="en-SG" sz="3200" b="0" i="0" u="none" strike="noStrike" kern="1200" dirty="0" err="1">
+                <a:solidFill>
+                  <a:srgbClr val="000000"/>
+                </a:solidFill>
+                <a:effectLst/>
+                <a:latin typeface="Segoe UI" panose="020B0502040204020203" pitchFamily="34" charset="0"/>
+              </a:rPr>
+              <a:t>itertools</a:t>
+            </a:r>
+            <a:r>
+              <a:rPr lang="en-SG" sz="3200" b="0" i="0" u="none" strike="noStrike" kern="1200" dirty="0">
+                <a:solidFill>
+                  <a:srgbClr val="000000"/>
+                </a:solidFill>
+                <a:effectLst/>
+                <a:latin typeface="Segoe UI" panose="020B0502040204020203" pitchFamily="34" charset="0"/>
+              </a:rPr>
+              <a:t>, </a:t>
+            </a:r>
+            <a:r>
+              <a:rPr lang="en-SG" sz="3200" b="0" i="0" u="none" strike="noStrike" kern="1200" dirty="0" err="1">
+                <a:solidFill>
+                  <a:srgbClr val="000000"/>
+                </a:solidFill>
+                <a:effectLst/>
+                <a:latin typeface="Segoe UI" panose="020B0502040204020203" pitchFamily="34" charset="0"/>
+              </a:rPr>
+              <a:t>functools</a:t>
+            </a:r>
+            <a:r>
+              <a:rPr lang="en-SG" sz="3200" b="0" i="0" u="none" strike="noStrike" kern="1200" dirty="0">
+                <a:solidFill>
+                  <a:srgbClr val="000000"/>
+                </a:solidFill>
+                <a:effectLst/>
+                <a:latin typeface="Segoe UI" panose="020B0502040204020203" pitchFamily="34" charset="0"/>
+              </a:rPr>
+              <a:t>, collections)</a:t>
+            </a:r>
+            <a:endParaRPr lang="en-SG" sz="3200" b="0" i="0" u="none" strike="noStrike" dirty="0">
+              <a:effectLst/>
+              <a:latin typeface="Arial" panose="020B0604020202020204" pitchFamily="34" charset="0"/>
+            </a:endParaRPr>
+          </a:p>
+          <a:p>
+            <a:pPr marL="0" marR="0" lvl="0" indent="0" algn="l" defTabSz="914400" rtl="0" eaLnBrk="1" fontAlgn="auto" latinLnBrk="0" hangingPunct="1">
+              <a:lnSpc>
+                <a:spcPct val="100000"/>
+              </a:lnSpc>
+              <a:spcBef>
+                <a:spcPts val="0"/>
+              </a:spcBef>
+              <a:spcAft>
+                <a:spcPts val="0"/>
+              </a:spcAft>
+              <a:buClrTx/>
+              <a:buSzTx/>
+              <a:buFontTx/>
+              <a:buNone/>
+              <a:tabLst/>
+              <a:defRPr/>
+            </a:pPr>
+            <a:endParaRPr lang="en-SG" b="0" i="0" dirty="0">
+              <a:effectLst/>
+              <a:latin typeface="Segoe UI" panose="020B0502040204020203" pitchFamily="34" charset="0"/>
+            </a:endParaRPr>
+          </a:p>
+          <a:p>
+            <a:endParaRPr lang="en-SG" dirty="0"/>
           </a:p>
         </p:txBody>
       </p:sp>
     </p:spTree>
     <p:extLst>
       <p:ext uri="{BB962C8B-B14F-4D97-AF65-F5344CB8AC3E}">
-        <p14:creationId xmlns:p14="http://schemas.microsoft.com/office/powerpoint/2010/main" val="3793643307"/>
+        <p14:creationId xmlns:p14="http://schemas.microsoft.com/office/powerpoint/2010/main" val="2623669699"/>
       </p:ext>
     </p:extLst>
   </p:cSld>
@@ -4664,7 +5499,7 @@
           <p:cNvPr id="2" name="Title 1">
             <a:extLst>
               <a:ext uri="{FF2B5EF4-FFF2-40B4-BE49-F238E27FC236}">
-                <a16:creationId xmlns:a16="http://schemas.microsoft.com/office/drawing/2014/main" id="{1974C8FF-D82B-1F36-F712-B932A755F89F}"/>
+                <a16:creationId xmlns:a16="http://schemas.microsoft.com/office/drawing/2014/main" id="{D0EAB7A1-8084-4BD8-CE05-4C831E7EA664}"/>
               </a:ext>
             </a:extLst>
           </p:cNvPr>
@@ -4677,17 +5512,12 @@
         </p:nvSpPr>
         <p:spPr/>
         <p:txBody>
-          <a:bodyPr>
-            <a:normAutofit/>
-          </a:bodyPr>
-          <a:lstStyle/>
-          <a:p>
-            <a:r>
-              <a:rPr lang="en-SG" b="0" i="0" dirty="0">
-                <a:effectLst/>
-                <a:latin typeface="Segoe UI" panose="020B0502040204020203" pitchFamily="34" charset="0"/>
-              </a:rPr>
-              <a:t>Pythonic Idioms</a:t>
+          <a:bodyPr/>
+          <a:lstStyle/>
+          <a:p>
+            <a:r>
+              <a:rPr lang="en-US" dirty="0"/>
+              <a:t>Basics</a:t>
             </a:r>
             <a:endParaRPr lang="en-SG" dirty="0"/>
           </a:p>
@@ -4698,7 +5528,7 @@
           <p:cNvPr id="3" name="Content Placeholder 2">
             <a:extLst>
               <a:ext uri="{FF2B5EF4-FFF2-40B4-BE49-F238E27FC236}">
-                <a16:creationId xmlns:a16="http://schemas.microsoft.com/office/drawing/2014/main" id="{29CD89EF-FECD-5F71-E250-F6E5D9554DA1}"/>
+                <a16:creationId xmlns:a16="http://schemas.microsoft.com/office/drawing/2014/main" id="{65A81854-32F7-A49C-29E3-B1DB67C577D0}"/>
               </a:ext>
             </a:extLst>
           </p:cNvPr>
@@ -4716,63 +5546,33 @@
           <a:p>
             <a:r>
               <a:rPr lang="en-US" dirty="0"/>
-              <a:t>Comprehensions over loops</a:t>
+              <a:t>Variables, expressions, f-strings</a:t>
             </a:r>
           </a:p>
           <a:p>
             <a:r>
               <a:rPr lang="en-US" dirty="0"/>
-              <a:t>Enumerate &amp; zip for indexing/pairs</a:t>
+              <a:t>Control flow: if/for/while</a:t>
             </a:r>
           </a:p>
           <a:p>
             <a:r>
               <a:rPr lang="en-US" dirty="0"/>
-              <a:t>Unpacking &amp; assignment expressions</a:t>
-            </a:r>
-          </a:p>
-          <a:p>
-            <a:pPr fontAlgn="t">
-              <a:buFont typeface="Arial" panose="020B0604020202020204" pitchFamily="34" charset="0"/>
-              <a:buChar char="•"/>
-            </a:pPr>
+              <a:t>Functions: defaults, keywords</a:t>
+            </a:r>
+          </a:p>
+          <a:p>
             <a:r>
               <a:rPr lang="en-US" dirty="0"/>
-              <a:t>Context managers (with) for resource handling</a:t>
-            </a:r>
-          </a:p>
-          <a:p>
-            <a:pPr marL="0" marR="0" lvl="0" indent="0" algn="l" defTabSz="914400" rtl="0" eaLnBrk="1" fontAlgn="auto" latinLnBrk="0" hangingPunct="1">
-              <a:lnSpc>
-                <a:spcPct val="100000"/>
-              </a:lnSpc>
-              <a:spcBef>
-                <a:spcPts val="0"/>
-              </a:spcBef>
-              <a:spcAft>
-                <a:spcPts val="0"/>
-              </a:spcAft>
-              <a:buClrTx/>
-              <a:buSzTx/>
-              <a:buFontTx/>
-              <a:buNone/>
-              <a:tabLst/>
-              <a:defRPr/>
-            </a:pPr>
-            <a:endParaRPr lang="en-SG" b="0" i="0" dirty="0">
-              <a:effectLst/>
-              <a:latin typeface="Segoe UI" panose="020B0502040204020203" pitchFamily="34" charset="0"/>
-            </a:endParaRPr>
-          </a:p>
-          <a:p>
-            <a:endParaRPr lang="en-SG" dirty="0"/>
+              <a:t>Exceptions: try/except/else/finally</a:t>
+            </a:r>
           </a:p>
         </p:txBody>
       </p:sp>
     </p:spTree>
     <p:extLst>
       <p:ext uri="{BB962C8B-B14F-4D97-AF65-F5344CB8AC3E}">
-        <p14:creationId xmlns:p14="http://schemas.microsoft.com/office/powerpoint/2010/main" val="3746369598"/>
+        <p14:creationId xmlns:p14="http://schemas.microsoft.com/office/powerpoint/2010/main" val="3793643307"/>
       </p:ext>
     </p:extLst>
   </p:cSld>
@@ -4804,7 +5604,7 @@
           <p:cNvPr id="2" name="Title 1">
             <a:extLst>
               <a:ext uri="{FF2B5EF4-FFF2-40B4-BE49-F238E27FC236}">
-                <a16:creationId xmlns:a16="http://schemas.microsoft.com/office/drawing/2014/main" id="{EB93E345-F959-E175-50E5-4BF565839BD1}"/>
+                <a16:creationId xmlns:a16="http://schemas.microsoft.com/office/drawing/2014/main" id="{1974C8FF-D82B-1F36-F712-B932A755F89F}"/>
               </a:ext>
             </a:extLst>
           </p:cNvPr>
@@ -4827,7 +5627,7 @@
                 <a:effectLst/>
                 <a:latin typeface="Segoe UI" panose="020B0502040204020203" pitchFamily="34" charset="0"/>
               </a:rPr>
-              <a:t>Data Handling &amp; I/O</a:t>
+              <a:t>Pythonic Idioms</a:t>
             </a:r>
             <a:endParaRPr lang="en-SG" dirty="0"/>
           </a:p>
@@ -4838,7 +5638,7 @@
           <p:cNvPr id="3" name="Content Placeholder 2">
             <a:extLst>
               <a:ext uri="{FF2B5EF4-FFF2-40B4-BE49-F238E27FC236}">
-                <a16:creationId xmlns:a16="http://schemas.microsoft.com/office/drawing/2014/main" id="{4E2EB62E-EC12-9A28-5706-4D93E49CBC1E}"/>
+                <a16:creationId xmlns:a16="http://schemas.microsoft.com/office/drawing/2014/main" id="{29CD89EF-FECD-5F71-E250-F6E5D9554DA1}"/>
               </a:ext>
             </a:extLst>
           </p:cNvPr>
@@ -4851,53 +5651,68 @@
         </p:nvSpPr>
         <p:spPr/>
         <p:txBody>
-          <a:bodyPr>
-            <a:normAutofit/>
-          </a:bodyPr>
-          <a:lstStyle/>
-          <a:p>
-            <a:r>
-              <a:rPr lang="en-SG" dirty="0"/>
-              <a:t>Core types: str/list/</a:t>
-            </a:r>
-            <a:r>
-              <a:rPr lang="en-SG" dirty="0" err="1"/>
-              <a:t>dict</a:t>
-            </a:r>
-            <a:r>
-              <a:rPr lang="en-SG" dirty="0"/>
-              <a:t>/set</a:t>
-            </a:r>
-          </a:p>
-          <a:p>
-            <a:r>
-              <a:rPr lang="en-SG" dirty="0"/>
-              <a:t>File I/O &amp; </a:t>
-            </a:r>
-            <a:r>
-              <a:rPr lang="en-SG" dirty="0" err="1"/>
-              <a:t>pathlib</a:t>
-            </a:r>
+          <a:bodyPr/>
+          <a:lstStyle/>
+          <a:p>
+            <a:r>
+              <a:rPr lang="en-US" dirty="0"/>
+              <a:t>Comprehensions over loops</a:t>
+            </a:r>
+          </a:p>
+          <a:p>
+            <a:r>
+              <a:rPr lang="en-US" dirty="0"/>
+              <a:t>Enumerate &amp; zip for indexing/pairs</a:t>
+            </a:r>
+          </a:p>
+          <a:p>
+            <a:r>
+              <a:rPr lang="en-US" dirty="0"/>
+              <a:t>Unpacking &amp; assignment expressions</a:t>
+            </a:r>
+          </a:p>
+          <a:p>
+            <a:pPr fontAlgn="t">
+              <a:buFont typeface="Arial" panose="020B0604020202020204" pitchFamily="34" charset="0"/>
+              <a:buChar char="•"/>
+            </a:pPr>
+            <a:r>
+              <a:rPr lang="en-US" dirty="0"/>
+              <a:t>Context managers (with) for resource handling</a:t>
+            </a:r>
+          </a:p>
+          <a:p>
+            <a:pPr marL="0" marR="0" lvl="0" indent="0" algn="l" defTabSz="914400" rtl="0" eaLnBrk="1" fontAlgn="auto" latinLnBrk="0" hangingPunct="1">
+              <a:lnSpc>
+                <a:spcPct val="100000"/>
+              </a:lnSpc>
+              <a:spcBef>
+                <a:spcPts val="0"/>
+              </a:spcBef>
+              <a:spcAft>
+                <a:spcPts val="0"/>
+              </a:spcAft>
+              <a:buClrTx/>
+              <a:buSzTx/>
+              <a:buFontTx/>
+              <a:buNone/>
+              <a:tabLst/>
+              <a:defRPr/>
+            </a:pPr>
+            <a:endParaRPr lang="en-SG" b="0" i="0" dirty="0">
+              <a:effectLst/>
+              <a:latin typeface="Segoe UI" panose="020B0502040204020203" pitchFamily="34" charset="0"/>
+            </a:endParaRPr>
+          </a:p>
+          <a:p>
             <a:endParaRPr lang="en-SG" dirty="0"/>
-          </a:p>
-          <a:p>
-            <a:r>
-              <a:rPr lang="en-SG" dirty="0"/>
-              <a:t>JSON &amp; simple API usage</a:t>
-            </a:r>
-          </a:p>
-          <a:p>
-            <a:r>
-              <a:rPr lang="en-SG" dirty="0"/>
-              <a:t>Optional: pandas for tabular data</a:t>
-            </a:r>
           </a:p>
         </p:txBody>
       </p:sp>
     </p:spTree>
     <p:extLst>
       <p:ext uri="{BB962C8B-B14F-4D97-AF65-F5344CB8AC3E}">
-        <p14:creationId xmlns:p14="http://schemas.microsoft.com/office/powerpoint/2010/main" val="3499251177"/>
+        <p14:creationId xmlns:p14="http://schemas.microsoft.com/office/powerpoint/2010/main" val="3746369598"/>
       </p:ext>
     </p:extLst>
   </p:cSld>
@@ -4929,7 +5744,7 @@
           <p:cNvPr id="2" name="Title 1">
             <a:extLst>
               <a:ext uri="{FF2B5EF4-FFF2-40B4-BE49-F238E27FC236}">
-                <a16:creationId xmlns:a16="http://schemas.microsoft.com/office/drawing/2014/main" id="{070141DF-A8DD-128A-69EA-2A08031B8A75}"/>
+                <a16:creationId xmlns:a16="http://schemas.microsoft.com/office/drawing/2014/main" id="{EB93E345-F959-E175-50E5-4BF565839BD1}"/>
               </a:ext>
             </a:extLst>
           </p:cNvPr>
@@ -4952,7 +5767,7 @@
                 <a:effectLst/>
                 <a:latin typeface="Segoe UI" panose="020B0502040204020203" pitchFamily="34" charset="0"/>
               </a:rPr>
-              <a:t>OOP &amp; Advanced Features</a:t>
+              <a:t>Data Handling &amp; I/O</a:t>
             </a:r>
             <a:endParaRPr lang="en-SG" dirty="0"/>
           </a:p>
@@ -4963,7 +5778,7 @@
           <p:cNvPr id="3" name="Content Placeholder 2">
             <a:extLst>
               <a:ext uri="{FF2B5EF4-FFF2-40B4-BE49-F238E27FC236}">
-                <a16:creationId xmlns:a16="http://schemas.microsoft.com/office/drawing/2014/main" id="{FDA81F31-6B8C-8E72-9F26-A3FDD883DDEC}"/>
+                <a16:creationId xmlns:a16="http://schemas.microsoft.com/office/drawing/2014/main" id="{4E2EB62E-EC12-9A28-5706-4D93E49CBC1E}"/>
               </a:ext>
             </a:extLst>
           </p:cNvPr>
@@ -4976,40 +5791,45 @@
         </p:nvSpPr>
         <p:spPr/>
         <p:txBody>
-          <a:bodyPr/>
-          <a:lstStyle/>
-          <a:p>
-            <a:r>
-              <a:rPr lang="en-US" dirty="0"/>
-              <a:t>Classes vs </a:t>
-            </a:r>
-            <a:r>
-              <a:rPr lang="en-US" dirty="0" err="1"/>
-              <a:t>dataclasses</a:t>
-            </a:r>
-            <a:endParaRPr lang="en-US" dirty="0"/>
-          </a:p>
-          <a:p>
-            <a:r>
-              <a:rPr lang="en-US" dirty="0"/>
-              <a:t>Type hints &amp; </a:t>
-            </a:r>
-            <a:r>
-              <a:rPr lang="en-US" dirty="0" err="1"/>
-              <a:t>mypy</a:t>
-            </a:r>
-            <a:endParaRPr lang="en-US" dirty="0"/>
-          </a:p>
-          <a:p>
-            <a:r>
-              <a:rPr lang="en-US" dirty="0"/>
-              <a:t>Decorators &amp; context managers</a:t>
-            </a:r>
-          </a:p>
-          <a:p>
-            <a:r>
-              <a:rPr lang="en-US" dirty="0"/>
-              <a:t>Best practices for small libs</a:t>
+          <a:bodyPr>
+            <a:normAutofit/>
+          </a:bodyPr>
+          <a:lstStyle/>
+          <a:p>
+            <a:r>
+              <a:rPr lang="en-SG" dirty="0"/>
+              <a:t>Core types: str/list/</a:t>
+            </a:r>
+            <a:r>
+              <a:rPr lang="en-SG" dirty="0" err="1"/>
+              <a:t>dict</a:t>
+            </a:r>
+            <a:r>
+              <a:rPr lang="en-SG" dirty="0"/>
+              <a:t>/set</a:t>
+            </a:r>
+          </a:p>
+          <a:p>
+            <a:r>
+              <a:rPr lang="en-SG" dirty="0"/>
+              <a:t>File I/O &amp; </a:t>
+            </a:r>
+            <a:r>
+              <a:rPr lang="en-SG" dirty="0" err="1"/>
+              <a:t>pathlib</a:t>
+            </a:r>
+            <a:endParaRPr lang="en-SG" dirty="0"/>
+          </a:p>
+          <a:p>
+            <a:r>
+              <a:rPr lang="en-SG" dirty="0"/>
+              <a:t>JSON &amp; simple API usage</a:t>
+            </a:r>
+          </a:p>
+          <a:p>
+            <a:r>
+              <a:rPr lang="en-SG" dirty="0"/>
+              <a:t>Optional: pandas for tabular data</a:t>
             </a:r>
           </a:p>
         </p:txBody>
@@ -5017,7 +5837,7 @@
     </p:spTree>
     <p:extLst>
       <p:ext uri="{BB962C8B-B14F-4D97-AF65-F5344CB8AC3E}">
-        <p14:creationId xmlns:p14="http://schemas.microsoft.com/office/powerpoint/2010/main" val="3948326009"/>
+        <p14:creationId xmlns:p14="http://schemas.microsoft.com/office/powerpoint/2010/main" val="3499251177"/>
       </p:ext>
     </p:extLst>
   </p:cSld>
@@ -5049,7 +5869,7 @@
           <p:cNvPr id="2" name="Title 1">
             <a:extLst>
               <a:ext uri="{FF2B5EF4-FFF2-40B4-BE49-F238E27FC236}">
-                <a16:creationId xmlns:a16="http://schemas.microsoft.com/office/drawing/2014/main" id="{0D3516C7-A346-F40B-7606-2FB7B4C31AA1}"/>
+                <a16:creationId xmlns:a16="http://schemas.microsoft.com/office/drawing/2014/main" id="{070141DF-A8DD-128A-69EA-2A08031B8A75}"/>
               </a:ext>
             </a:extLst>
           </p:cNvPr>
@@ -5072,7 +5892,7 @@
                 <a:effectLst/>
                 <a:latin typeface="Segoe UI" panose="020B0502040204020203" pitchFamily="34" charset="0"/>
               </a:rPr>
-              <a:t>Tooling &amp; Wrap-up</a:t>
+              <a:t>OOP &amp; Advanced Features</a:t>
             </a:r>
             <a:endParaRPr lang="en-SG" dirty="0"/>
           </a:p>
@@ -5083,7 +5903,7 @@
           <p:cNvPr id="3" name="Content Placeholder 2">
             <a:extLst>
               <a:ext uri="{FF2B5EF4-FFF2-40B4-BE49-F238E27FC236}">
-                <a16:creationId xmlns:a16="http://schemas.microsoft.com/office/drawing/2014/main" id="{95D25C10-BCF4-9A4C-FFDF-66C204C7C029}"/>
+                <a16:creationId xmlns:a16="http://schemas.microsoft.com/office/drawing/2014/main" id="{FDA81F31-6B8C-8E72-9F26-A3FDD883DDEC}"/>
               </a:ext>
             </a:extLst>
           </p:cNvPr>
@@ -5099,60 +5919,45 @@
           <a:bodyPr/>
           <a:lstStyle/>
           <a:p>
-            <a:pPr fontAlgn="t"/>
-            <a:r>
-              <a:rPr lang="en-SG" dirty="0"/>
-              <a:t>Virtual </a:t>
-            </a:r>
-            <a:r>
-              <a:rPr lang="en-SG" dirty="0" err="1"/>
-              <a:t>envs</a:t>
-            </a:r>
-            <a:r>
-              <a:rPr lang="en-SG" dirty="0"/>
-              <a:t> &amp; pip (setup_instructions.md)</a:t>
-            </a:r>
-          </a:p>
-          <a:p>
-            <a:pPr fontAlgn="t"/>
-            <a:r>
-              <a:rPr lang="en-SG" dirty="0"/>
-              <a:t>Formatters &amp; linters: black, ruff</a:t>
-            </a:r>
-          </a:p>
-          <a:p>
-            <a:pPr fontAlgn="t"/>
-            <a:r>
-              <a:rPr lang="en-SG" dirty="0"/>
-              <a:t>Type checking: </a:t>
-            </a:r>
-            <a:r>
-              <a:rPr lang="en-SG" dirty="0" err="1"/>
+            <a:r>
+              <a:rPr lang="en-US" dirty="0"/>
+              <a:t>Classes vs </a:t>
+            </a:r>
+            <a:r>
+              <a:rPr lang="en-US" dirty="0" err="1"/>
+              <a:t>dataclasses</a:t>
+            </a:r>
+            <a:endParaRPr lang="en-US" dirty="0"/>
+          </a:p>
+          <a:p>
+            <a:r>
+              <a:rPr lang="en-US" dirty="0"/>
+              <a:t>Type hints &amp; </a:t>
+            </a:r>
+            <a:r>
+              <a:rPr lang="en-US" dirty="0" err="1"/>
               <a:t>mypy</a:t>
             </a:r>
-            <a:r>
-              <a:rPr lang="en-SG" dirty="0"/>
-              <a:t>; </a:t>
-            </a:r>
-          </a:p>
-          <a:p>
-            <a:pPr fontAlgn="t"/>
-            <a:r>
-              <a:rPr lang="en-SG" dirty="0"/>
-              <a:t>Testing: </a:t>
-            </a:r>
-            <a:r>
-              <a:rPr lang="en-SG" dirty="0" err="1"/>
-              <a:t>pytest</a:t>
-            </a:r>
-            <a:endParaRPr lang="en-SG" dirty="0"/>
+            <a:endParaRPr lang="en-US" dirty="0"/>
+          </a:p>
+          <a:p>
+            <a:r>
+              <a:rPr lang="en-US" dirty="0"/>
+              <a:t>Decorators &amp; context managers</a:t>
+            </a:r>
+          </a:p>
+          <a:p>
+            <a:r>
+              <a:rPr lang="en-US" dirty="0"/>
+              <a:t>Best practices for small libs</a:t>
+            </a:r>
           </a:p>
         </p:txBody>
       </p:sp>
     </p:spTree>
     <p:extLst>
       <p:ext uri="{BB962C8B-B14F-4D97-AF65-F5344CB8AC3E}">
-        <p14:creationId xmlns:p14="http://schemas.microsoft.com/office/powerpoint/2010/main" val="2571422063"/>
+        <p14:creationId xmlns:p14="http://schemas.microsoft.com/office/powerpoint/2010/main" val="3948326009"/>
       </p:ext>
     </p:extLst>
   </p:cSld>
